--- a/FYP/Website/Demo of the Project.pptx
+++ b/FYP/Website/Demo of the Project.pptx
@@ -269,7 +269,7 @@
           <a:p>
             <a:fld id="{7E80F255-5FCD-4867-AC65-1A11CC87D121}" type="datetimeFigureOut">
               <a:rPr lang="en-GB" smtClean="0"/>
-              <a:t>20/01/2024</a:t>
+              <a:t>21/01/2024</a:t>
             </a:fld>
             <a:endParaRPr lang="en-GB"/>
           </a:p>
@@ -469,7 +469,7 @@
           <a:p>
             <a:fld id="{7E80F255-5FCD-4867-AC65-1A11CC87D121}" type="datetimeFigureOut">
               <a:rPr lang="en-GB" smtClean="0"/>
-              <a:t>20/01/2024</a:t>
+              <a:t>21/01/2024</a:t>
             </a:fld>
             <a:endParaRPr lang="en-GB"/>
           </a:p>
@@ -679,7 +679,7 @@
           <a:p>
             <a:fld id="{7E80F255-5FCD-4867-AC65-1A11CC87D121}" type="datetimeFigureOut">
               <a:rPr lang="en-GB" smtClean="0"/>
-              <a:t>20/01/2024</a:t>
+              <a:t>21/01/2024</a:t>
             </a:fld>
             <a:endParaRPr lang="en-GB"/>
           </a:p>
@@ -879,7 +879,7 @@
           <a:p>
             <a:fld id="{7E80F255-5FCD-4867-AC65-1A11CC87D121}" type="datetimeFigureOut">
               <a:rPr lang="en-GB" smtClean="0"/>
-              <a:t>20/01/2024</a:t>
+              <a:t>21/01/2024</a:t>
             </a:fld>
             <a:endParaRPr lang="en-GB"/>
           </a:p>
@@ -1155,7 +1155,7 @@
           <a:p>
             <a:fld id="{7E80F255-5FCD-4867-AC65-1A11CC87D121}" type="datetimeFigureOut">
               <a:rPr lang="en-GB" smtClean="0"/>
-              <a:t>20/01/2024</a:t>
+              <a:t>21/01/2024</a:t>
             </a:fld>
             <a:endParaRPr lang="en-GB"/>
           </a:p>
@@ -1423,7 +1423,7 @@
           <a:p>
             <a:fld id="{7E80F255-5FCD-4867-AC65-1A11CC87D121}" type="datetimeFigureOut">
               <a:rPr lang="en-GB" smtClean="0"/>
-              <a:t>20/01/2024</a:t>
+              <a:t>21/01/2024</a:t>
             </a:fld>
             <a:endParaRPr lang="en-GB"/>
           </a:p>
@@ -1838,7 +1838,7 @@
           <a:p>
             <a:fld id="{7E80F255-5FCD-4867-AC65-1A11CC87D121}" type="datetimeFigureOut">
               <a:rPr lang="en-GB" smtClean="0"/>
-              <a:t>20/01/2024</a:t>
+              <a:t>21/01/2024</a:t>
             </a:fld>
             <a:endParaRPr lang="en-GB"/>
           </a:p>
@@ -1980,7 +1980,7 @@
           <a:p>
             <a:fld id="{7E80F255-5FCD-4867-AC65-1A11CC87D121}" type="datetimeFigureOut">
               <a:rPr lang="en-GB" smtClean="0"/>
-              <a:t>20/01/2024</a:t>
+              <a:t>21/01/2024</a:t>
             </a:fld>
             <a:endParaRPr lang="en-GB"/>
           </a:p>
@@ -2093,7 +2093,7 @@
           <a:p>
             <a:fld id="{7E80F255-5FCD-4867-AC65-1A11CC87D121}" type="datetimeFigureOut">
               <a:rPr lang="en-GB" smtClean="0"/>
-              <a:t>20/01/2024</a:t>
+              <a:t>21/01/2024</a:t>
             </a:fld>
             <a:endParaRPr lang="en-GB"/>
           </a:p>
@@ -2406,7 +2406,7 @@
           <a:p>
             <a:fld id="{7E80F255-5FCD-4867-AC65-1A11CC87D121}" type="datetimeFigureOut">
               <a:rPr lang="en-GB" smtClean="0"/>
-              <a:t>20/01/2024</a:t>
+              <a:t>21/01/2024</a:t>
             </a:fld>
             <a:endParaRPr lang="en-GB"/>
           </a:p>
@@ -2695,7 +2695,7 @@
           <a:p>
             <a:fld id="{7E80F255-5FCD-4867-AC65-1A11CC87D121}" type="datetimeFigureOut">
               <a:rPr lang="en-GB" smtClean="0"/>
-              <a:t>20/01/2024</a:t>
+              <a:t>21/01/2024</a:t>
             </a:fld>
             <a:endParaRPr lang="en-GB"/>
           </a:p>
@@ -2938,7 +2938,7 @@
           <a:p>
             <a:fld id="{7E80F255-5FCD-4867-AC65-1A11CC87D121}" type="datetimeFigureOut">
               <a:rPr lang="en-GB" smtClean="0"/>
-              <a:t>20/01/2024</a:t>
+              <a:t>21/01/2024</a:t>
             </a:fld>
             <a:endParaRPr lang="en-GB"/>
           </a:p>
@@ -4052,7 +4052,7 @@
           <a:bodyPr/>
           <a:lstStyle/>
           <a:p>
-            <a:endParaRPr lang="en-GB"/>
+            <a:endParaRPr lang="en-GB" dirty="0"/>
           </a:p>
         </p:txBody>
       </p:sp>
@@ -4077,7 +4077,103 @@
           <a:bodyPr/>
           <a:lstStyle/>
           <a:p>
-            <a:endParaRPr lang="en-GB"/>
+            <a:r>
+              <a:rPr lang="en-GB" dirty="0"/>
+              <a:t> </a:t>
+            </a:r>
+            <a:r>
+              <a:rPr lang="en-GB" dirty="0" err="1"/>
+              <a:t>zlecenie</a:t>
+            </a:r>
+            <a:r>
+              <a:rPr lang="en-GB" dirty="0"/>
+              <a:t> w </a:t>
+            </a:r>
+            <a:r>
+              <a:rPr lang="en-GB" dirty="0" err="1"/>
+              <a:t>ktore</a:t>
+            </a:r>
+            <a:r>
+              <a:rPr lang="en-GB" dirty="0"/>
+              <a:t> </a:t>
+            </a:r>
+            <a:r>
+              <a:rPr lang="en-GB" dirty="0" err="1"/>
+              <a:t>sie</a:t>
+            </a:r>
+            <a:r>
+              <a:rPr lang="en-GB" dirty="0"/>
+              <a:t> </a:t>
+            </a:r>
+            <a:r>
+              <a:rPr lang="en-GB" dirty="0" err="1"/>
+              <a:t>wjedzie</a:t>
+            </a:r>
+            <a:r>
+              <a:rPr lang="en-GB" dirty="0"/>
+              <a:t> ma </a:t>
+            </a:r>
+            <a:r>
+              <a:rPr lang="en-GB" dirty="0" err="1"/>
+              <a:t>pelelen</a:t>
+            </a:r>
+            <a:r>
+              <a:rPr lang="en-GB" dirty="0"/>
+              <a:t> </a:t>
+            </a:r>
+            <a:r>
+              <a:rPr lang="en-GB" dirty="0" err="1"/>
+              <a:t>opis</a:t>
+            </a:r>
+            <a:r>
+              <a:rPr lang="en-GB" dirty="0"/>
+              <a:t> </a:t>
+            </a:r>
+            <a:r>
+              <a:rPr lang="en-GB" dirty="0" err="1"/>
+              <a:t>kto</a:t>
+            </a:r>
+            <a:r>
+              <a:rPr lang="en-GB" dirty="0"/>
+              <a:t> jest </a:t>
+            </a:r>
+            <a:r>
+              <a:rPr lang="en-GB" dirty="0" err="1"/>
+              <a:t>przydzielony</a:t>
+            </a:r>
+            <a:r>
+              <a:rPr lang="en-GB" dirty="0"/>
+              <a:t> deadline </a:t>
+            </a:r>
+            <a:r>
+              <a:rPr lang="en-GB" dirty="0" err="1"/>
+              <a:t>adres</a:t>
+            </a:r>
+            <a:r>
+              <a:rPr lang="en-GB" dirty="0"/>
+              <a:t> </a:t>
+            </a:r>
+            <a:r>
+              <a:rPr lang="en-GB" dirty="0" err="1"/>
+              <a:t>dokumnety</a:t>
+            </a:r>
+            <a:r>
+              <a:rPr lang="en-GB" dirty="0"/>
+              <a:t> </a:t>
+            </a:r>
+            <a:r>
+              <a:rPr lang="en-GB" dirty="0" err="1"/>
+              <a:t>zwiazane</a:t>
+            </a:r>
+            <a:r>
+              <a:rPr lang="en-GB" dirty="0"/>
+              <a:t> z </a:t>
+            </a:r>
+            <a:r>
+              <a:rPr lang="en-GB" dirty="0" err="1"/>
+              <a:t>tym</a:t>
+            </a:r>
+            <a:endParaRPr lang="en-GB" dirty="0"/>
           </a:p>
         </p:txBody>
       </p:sp>
